--- a/powerpoint/knit.pptx
+++ b/powerpoint/knit.pptx
@@ -104,6 +104,11 @@
       </a:defRPr>
     </a:lvl9pPr>
   </p:defaultTextStyle>
+  <p:extLst>
+    <p:ext uri="{EFAFB233-063F-42B5-8137-9DF3F51BA10A}">
+      <p15:sldGuideLst xmlns:p15="http://schemas.microsoft.com/office/powerpoint/2012/main"/>
+    </p:ext>
+  </p:extLst>
 </p:presentation>
 </file>
 
@@ -238,7 +243,7 @@
           <a:p>
             <a:fld id="{9DF1ED94-BDBC-D74B-8638-89CABDF8037C}" type="datetimeFigureOut">
               <a:rPr kumimoji="1" lang="ja-JP" altLang="en-US" smtClean="0"/>
-              <a:t>2025/2/4</a:t>
+              <a:t>2025/2/5</a:t>
             </a:fld>
             <a:endParaRPr kumimoji="1" lang="ja-JP" altLang="en-US"/>
           </a:p>
@@ -440,7 +445,7 @@
           <a:p>
             <a:fld id="{9DF1ED94-BDBC-D74B-8638-89CABDF8037C}" type="datetimeFigureOut">
               <a:rPr kumimoji="1" lang="ja-JP" altLang="en-US" smtClean="0"/>
-              <a:t>2025/2/4</a:t>
+              <a:t>2025/2/5</a:t>
             </a:fld>
             <a:endParaRPr kumimoji="1" lang="ja-JP" altLang="en-US"/>
           </a:p>
@@ -652,7 +657,7 @@
           <a:p>
             <a:fld id="{9DF1ED94-BDBC-D74B-8638-89CABDF8037C}" type="datetimeFigureOut">
               <a:rPr kumimoji="1" lang="ja-JP" altLang="en-US" smtClean="0"/>
-              <a:t>2025/2/4</a:t>
+              <a:t>2025/2/5</a:t>
             </a:fld>
             <a:endParaRPr kumimoji="1" lang="ja-JP" altLang="en-US"/>
           </a:p>
@@ -854,7 +859,7 @@
           <a:p>
             <a:fld id="{9DF1ED94-BDBC-D74B-8638-89CABDF8037C}" type="datetimeFigureOut">
               <a:rPr kumimoji="1" lang="ja-JP" altLang="en-US" smtClean="0"/>
-              <a:t>2025/2/4</a:t>
+              <a:t>2025/2/5</a:t>
             </a:fld>
             <a:endParaRPr kumimoji="1" lang="ja-JP" altLang="en-US"/>
           </a:p>
@@ -1100,7 +1105,7 @@
           <a:p>
             <a:fld id="{9DF1ED94-BDBC-D74B-8638-89CABDF8037C}" type="datetimeFigureOut">
               <a:rPr kumimoji="1" lang="ja-JP" altLang="en-US" smtClean="0"/>
-              <a:t>2025/2/4</a:t>
+              <a:t>2025/2/5</a:t>
             </a:fld>
             <a:endParaRPr kumimoji="1" lang="ja-JP" altLang="en-US"/>
           </a:p>
@@ -1396,7 +1401,7 @@
           <a:p>
             <a:fld id="{9DF1ED94-BDBC-D74B-8638-89CABDF8037C}" type="datetimeFigureOut">
               <a:rPr kumimoji="1" lang="ja-JP" altLang="en-US" smtClean="0"/>
-              <a:t>2025/2/4</a:t>
+              <a:t>2025/2/5</a:t>
             </a:fld>
             <a:endParaRPr kumimoji="1" lang="ja-JP" altLang="en-US"/>
           </a:p>
@@ -1827,7 +1832,7 @@
           <a:p>
             <a:fld id="{9DF1ED94-BDBC-D74B-8638-89CABDF8037C}" type="datetimeFigureOut">
               <a:rPr kumimoji="1" lang="ja-JP" altLang="en-US" smtClean="0"/>
-              <a:t>2025/2/4</a:t>
+              <a:t>2025/2/5</a:t>
             </a:fld>
             <a:endParaRPr kumimoji="1" lang="ja-JP" altLang="en-US"/>
           </a:p>
@@ -1945,7 +1950,7 @@
           <a:p>
             <a:fld id="{9DF1ED94-BDBC-D74B-8638-89CABDF8037C}" type="datetimeFigureOut">
               <a:rPr kumimoji="1" lang="ja-JP" altLang="en-US" smtClean="0"/>
-              <a:t>2025/2/4</a:t>
+              <a:t>2025/2/5</a:t>
             </a:fld>
             <a:endParaRPr kumimoji="1" lang="ja-JP" altLang="en-US"/>
           </a:p>
@@ -2040,7 +2045,7 @@
           <a:p>
             <a:fld id="{9DF1ED94-BDBC-D74B-8638-89CABDF8037C}" type="datetimeFigureOut">
               <a:rPr kumimoji="1" lang="ja-JP" altLang="en-US" smtClean="0"/>
-              <a:t>2025/2/4</a:t>
+              <a:t>2025/2/5</a:t>
             </a:fld>
             <a:endParaRPr kumimoji="1" lang="ja-JP" altLang="en-US"/>
           </a:p>
@@ -2349,7 +2354,7 @@
           <a:p>
             <a:fld id="{9DF1ED94-BDBC-D74B-8638-89CABDF8037C}" type="datetimeFigureOut">
               <a:rPr kumimoji="1" lang="ja-JP" altLang="en-US" smtClean="0"/>
-              <a:t>2025/2/4</a:t>
+              <a:t>2025/2/5</a:t>
             </a:fld>
             <a:endParaRPr kumimoji="1" lang="ja-JP" altLang="en-US"/>
           </a:p>
@@ -2606,7 +2611,7 @@
           <a:p>
             <a:fld id="{9DF1ED94-BDBC-D74B-8638-89CABDF8037C}" type="datetimeFigureOut">
               <a:rPr kumimoji="1" lang="ja-JP" altLang="en-US" smtClean="0"/>
-              <a:t>2025/2/4</a:t>
+              <a:t>2025/2/5</a:t>
             </a:fld>
             <a:endParaRPr kumimoji="1" lang="ja-JP" altLang="en-US"/>
           </a:p>
@@ -2851,7 +2856,7 @@
           <a:p>
             <a:fld id="{9DF1ED94-BDBC-D74B-8638-89CABDF8037C}" type="datetimeFigureOut">
               <a:rPr kumimoji="1" lang="ja-JP" altLang="en-US" smtClean="0"/>
-              <a:t>2025/2/4</a:t>
+              <a:t>2025/2/5</a:t>
             </a:fld>
             <a:endParaRPr kumimoji="1" lang="ja-JP" altLang="en-US"/>
           </a:p>
@@ -3265,18 +3270,20 @@
               </a:ext>
             </a:extLst>
           </p:cNvPr>
-          <p:cNvCxnSpPr/>
+          <p:cNvCxnSpPr>
+            <a:cxnSpLocks/>
+          </p:cNvCxnSpPr>
           <p:nvPr/>
         </p:nvCxnSpPr>
         <p:spPr>
           <a:xfrm>
-            <a:off x="5399881" y="1086928"/>
+            <a:off x="5399881" y="1069421"/>
             <a:ext cx="0" cy="8660921"/>
           </a:xfrm>
           <a:prstGeom prst="line">
             <a:avLst/>
           </a:prstGeom>
-          <a:ln w="76200">
+          <a:ln w="1270000">
             <a:solidFill>
               <a:schemeClr val="tx1"/>
             </a:solidFill>
